--- a/Template_Presentation_Project_Maasandram Murali.pptx
+++ b/Template_Presentation_Project_Maasandram Murali.pptx
@@ -17,6 +17,7 @@
     <p:sldId id="267" r:id="rId11"/>
     <p:sldId id="265" r:id="rId12"/>
     <p:sldId id="268" r:id="rId13"/>
+    <p:sldId id="269" r:id="rId14"/>
   </p:sldIdLst>
   <p:sldSz cx="12192000" cy="6858000"/>
   <p:notesSz cx="12192000" cy="6858000"/>
@@ -134,14 +135,41 @@
 </p:presentation>
 </file>
 
-<file path=ppt/revisionInfo.xml><?xml version="1.0" encoding="utf-8"?>
-<p1510:revInfo xmlns:a="http://schemas.openxmlformats.org/drawingml/2006/main" xmlns:r="http://schemas.openxmlformats.org/officeDocument/2006/relationships" xmlns:p1510="http://schemas.microsoft.com/office/powerpoint/2015/10/main">
-  <p1510:revLst>
-    <p1510:client id="{737FB226-D996-487E-B224-FDC271935E19}" v="49" dt="2024-06-11T08:49:54.285"/>
-    <p1510:client id="{86502F5B-7EB2-49A1-B3E9-B2AA6EDC35A2}" v="64" dt="2024-06-10T02:17:25.813"/>
-    <p1510:client id="{F6776BCA-2DCA-42AE-8A2D-E4D2135C64A0}" v="52" dt="2024-06-11T04:53:32.644"/>
-  </p1510:revLst>
-</p1510:revInfo>
+<file path=ppt/changesInfos/changesInfo1.xml><?xml version="1.0" encoding="utf-8"?>
+<pc:chgInfo xmlns:a="http://schemas.openxmlformats.org/drawingml/2006/main" xmlns:r="http://schemas.openxmlformats.org/officeDocument/2006/relationships" xmlns:ac="http://schemas.microsoft.com/office/drawing/2013/main/command" xmlns:pc="http://schemas.microsoft.com/office/powerpoint/2013/main/command">
+  <pc:docChgLst>
+    <pc:chgData name="Maasandram Murali" userId="1950855d82398b7a" providerId="LiveId" clId="{498773DB-4F06-4690-AE46-01CED67986AE}"/>
+    <pc:docChg chg="addSld modSld">
+      <pc:chgData name="Maasandram Murali" userId="1950855d82398b7a" providerId="LiveId" clId="{498773DB-4F06-4690-AE46-01CED67986AE}" dt="2024-06-13T06:26:44.325" v="16" actId="1076"/>
+      <pc:docMkLst>
+        <pc:docMk/>
+      </pc:docMkLst>
+      <pc:sldChg chg="addSp modSp new mod">
+        <pc:chgData name="Maasandram Murali" userId="1950855d82398b7a" providerId="LiveId" clId="{498773DB-4F06-4690-AE46-01CED67986AE}" dt="2024-06-13T06:26:44.325" v="16" actId="1076"/>
+        <pc:sldMkLst>
+          <pc:docMk/>
+          <pc:sldMk cId="4264553954" sldId="269"/>
+        </pc:sldMkLst>
+        <pc:spChg chg="mod">
+          <ac:chgData name="Maasandram Murali" userId="1950855d82398b7a" providerId="LiveId" clId="{498773DB-4F06-4690-AE46-01CED67986AE}" dt="2024-06-13T06:25:43.996" v="12" actId="20577"/>
+          <ac:spMkLst>
+            <pc:docMk/>
+            <pc:sldMk cId="4264553954" sldId="269"/>
+            <ac:spMk id="2" creationId="{5CE5CDBF-06B5-AE5C-9C05-06B4CCACAA74}"/>
+          </ac:spMkLst>
+        </pc:spChg>
+        <pc:spChg chg="add mod">
+          <ac:chgData name="Maasandram Murali" userId="1950855d82398b7a" providerId="LiveId" clId="{498773DB-4F06-4690-AE46-01CED67986AE}" dt="2024-06-13T06:26:44.325" v="16" actId="1076"/>
+          <ac:spMkLst>
+            <pc:docMk/>
+            <pc:sldMk cId="4264553954" sldId="269"/>
+            <ac:spMk id="4" creationId="{6EA6C168-A686-8B77-811E-D49C7930EB88}"/>
+          </ac:spMkLst>
+        </pc:spChg>
+      </pc:sldChg>
+    </pc:docChg>
+  </pc:docChgLst>
+</pc:chgInfo>
 </file>
 
 <file path=ppt/slideLayouts/slideLayout1.xml><?xml version="1.0" encoding="utf-8"?>
@@ -289,7 +317,7 @@
           <a:p>
             <a:fld id="{1D8BD707-D9CF-40AE-B4C6-C98DA3205C09}" type="datetimeFigureOut">
               <a:rPr lang="en-US"/>
-              <a:t>6/12/2024</a:t>
+              <a:t>6/13/2024</a:t>
             </a:fld>
             <a:endParaRPr lang="en-US"/>
           </a:p>
@@ -469,7 +497,7 @@
           <a:p>
             <a:fld id="{1D8BD707-D9CF-40AE-B4C6-C98DA3205C09}" type="datetimeFigureOut">
               <a:rPr lang="en-US"/>
-              <a:t>6/12/2024</a:t>
+              <a:t>6/13/2024</a:t>
             </a:fld>
             <a:endParaRPr lang="en-US"/>
           </a:p>
@@ -692,7 +720,7 @@
           <a:p>
             <a:fld id="{1D8BD707-D9CF-40AE-B4C6-C98DA3205C09}" type="datetimeFigureOut">
               <a:rPr lang="en-US"/>
-              <a:t>6/12/2024</a:t>
+              <a:t>6/13/2024</a:t>
             </a:fld>
             <a:endParaRPr lang="en-US"/>
           </a:p>
@@ -849,7 +877,7 @@
           <a:p>
             <a:fld id="{1D8BD707-D9CF-40AE-B4C6-C98DA3205C09}" type="datetimeFigureOut">
               <a:rPr lang="en-US"/>
-              <a:t>6/12/2024</a:t>
+              <a:t>6/13/2024</a:t>
             </a:fld>
             <a:endParaRPr lang="en-US"/>
           </a:p>
@@ -977,7 +1005,7 @@
           <a:p>
             <a:fld id="{1D8BD707-D9CF-40AE-B4C6-C98DA3205C09}" type="datetimeFigureOut">
               <a:rPr lang="en-US"/>
-              <a:t>6/12/2024</a:t>
+              <a:t>6/13/2024</a:t>
             </a:fld>
             <a:endParaRPr lang="en-US"/>
           </a:p>
@@ -1696,7 +1724,7 @@
           <a:p>
             <a:fld id="{1D8BD707-D9CF-40AE-B4C6-C98DA3205C09}" type="datetimeFigureOut">
               <a:rPr lang="en-US"/>
-              <a:t>6/12/2024</a:t>
+              <a:t>6/13/2024</a:t>
             </a:fld>
             <a:endParaRPr lang="en-US"/>
           </a:p>
@@ -3788,6 +3816,100 @@
     <p:extLst>
       <p:ext uri="{BB962C8B-B14F-4D97-AF65-F5344CB8AC3E}">
         <p14:creationId xmlns:p14="http://schemas.microsoft.com/office/powerpoint/2010/main" val="930997676"/>
+      </p:ext>
+    </p:extLst>
+  </p:cSld>
+  <p:clrMapOvr>
+    <a:masterClrMapping/>
+  </p:clrMapOvr>
+</p:sld>
+</file>
+
+<file path=ppt/slides/slide13.xml><?xml version="1.0" encoding="utf-8"?>
+<p:sld xmlns:a="http://schemas.openxmlformats.org/drawingml/2006/main" xmlns:r="http://schemas.openxmlformats.org/officeDocument/2006/relationships" xmlns:p="http://schemas.openxmlformats.org/presentationml/2006/main">
+  <p:cSld>
+    <p:spTree>
+      <p:nvGrpSpPr>
+        <p:cNvPr id="1" name=""/>
+        <p:cNvGrpSpPr/>
+        <p:nvPr/>
+      </p:nvGrpSpPr>
+      <p:grpSpPr>
+        <a:xfrm>
+          <a:off x="0" y="0"/>
+          <a:ext cx="0" cy="0"/>
+          <a:chOff x="0" y="0"/>
+          <a:chExt cx="0" cy="0"/>
+        </a:xfrm>
+      </p:grpSpPr>
+      <p:sp>
+        <p:nvSpPr>
+          <p:cNvPr id="2" name="Title 1">
+            <a:extLst>
+              <a:ext uri="{FF2B5EF4-FFF2-40B4-BE49-F238E27FC236}">
+                <a16:creationId xmlns:a16="http://schemas.microsoft.com/office/drawing/2014/main" id="{5CE5CDBF-06B5-AE5C-9C05-06B4CCACAA74}"/>
+              </a:ext>
+            </a:extLst>
+          </p:cNvPr>
+          <p:cNvSpPr>
+            <a:spLocks noGrp="1"/>
+          </p:cNvSpPr>
+          <p:nvPr>
+            <p:ph type="title"/>
+          </p:nvPr>
+        </p:nvSpPr>
+        <p:spPr/>
+        <p:txBody>
+          <a:bodyPr/>
+          <a:lstStyle/>
+          <a:p>
+            <a:r>
+              <a:rPr lang="en-US" dirty="0"/>
+              <a:t>Project Link</a:t>
+            </a:r>
+            <a:endParaRPr lang="en-IN" dirty="0"/>
+          </a:p>
+        </p:txBody>
+      </p:sp>
+      <p:sp>
+        <p:nvSpPr>
+          <p:cNvPr id="4" name="TextBox 3">
+            <a:extLst>
+              <a:ext uri="{FF2B5EF4-FFF2-40B4-BE49-F238E27FC236}">
+                <a16:creationId xmlns:a16="http://schemas.microsoft.com/office/drawing/2014/main" id="{6EA6C168-A686-8B77-811E-D49C7930EB88}"/>
+              </a:ext>
+            </a:extLst>
+          </p:cNvPr>
+          <p:cNvSpPr txBox="1"/>
+          <p:nvPr/>
+        </p:nvSpPr>
+        <p:spPr>
+          <a:xfrm>
+            <a:off x="2314575" y="3059668"/>
+            <a:ext cx="7954735" cy="369332"/>
+          </a:xfrm>
+          <a:prstGeom prst="rect">
+            <a:avLst/>
+          </a:prstGeom>
+          <a:noFill/>
+        </p:spPr>
+        <p:txBody>
+          <a:bodyPr wrap="square">
+            <a:spAutoFit/>
+          </a:bodyPr>
+          <a:lstStyle/>
+          <a:p>
+            <a:r>
+              <a:rPr lang="en-IN" dirty="0"/>
+              <a:t>https://github.com/muralimura/APPSSDC-CS-Project1.git</a:t>
+            </a:r>
+          </a:p>
+        </p:txBody>
+      </p:sp>
+    </p:spTree>
+    <p:extLst>
+      <p:ext uri="{BB962C8B-B14F-4D97-AF65-F5344CB8AC3E}">
+        <p14:creationId xmlns:p14="http://schemas.microsoft.com/office/powerpoint/2010/main" val="4264553954"/>
       </p:ext>
     </p:extLst>
   </p:cSld>
